--- a/OT2.pptx
+++ b/OT2.pptx
@@ -6031,11 +6031,16 @@
           </p:cNvGraphicFramePr>
           <p:nvPr>
             <p:ph sz="quarter" idx="1"/>
+            <p:extLst>
+              <p:ext uri="{D42A27DB-BD31-4B8C-83A1-F6EECF244321}">
+                <p14:modId xmlns:p14="http://schemas.microsoft.com/office/powerpoint/2010/main" val="3338231765"/>
+              </p:ext>
+            </p:extLst>
           </p:nvPr>
         </p:nvGraphicFramePr>
         <p:xfrm>
           <a:off x="457200" y="1600200"/>
-          <a:ext cx="7467600" cy="3312160"/>
+          <a:ext cx="7467600" cy="3586480"/>
         </p:xfrm>
         <a:graphic>
           <a:graphicData uri="http://schemas.openxmlformats.org/drawingml/2006/table">
@@ -6058,15 +6063,19 @@
                     <a:p>
                       <a:r>
                         <a:rPr lang="en-US" dirty="0" smtClean="0"/>
-                        <a:t>Top frequent </a:t>
-                      </a:r>
-                      <a:r>
-                        <a:rPr lang="en-US" dirty="0" err="1" smtClean="0"/>
-                        <a:t>ngrams</a:t>
-                      </a:r>
-                      <a:r>
-                        <a:rPr lang="en-US" dirty="0" smtClean="0"/>
-                        <a:t> for personal</a:t>
+                        <a:t>Top </a:t>
+                      </a:r>
+                      <a:r>
+                        <a:rPr lang="en-US" smtClean="0"/>
+                        <a:t>frequent </a:t>
+                      </a:r>
+                      <a:r>
+                        <a:rPr lang="en-US" smtClean="0"/>
+                        <a:t>n-grams </a:t>
+                      </a:r>
+                      <a:r>
+                        <a:rPr lang="en-US" dirty="0" smtClean="0"/>
+                        <a:t>for personal</a:t>
                       </a:r>
                       <a:endParaRPr lang="en-US" dirty="0"/>
                     </a:p>
@@ -8567,11 +8576,7 @@
             </a:r>
             <a:r>
               <a:rPr lang="en-US" altLang="zh-CN" dirty="0" smtClean="0"/>
-              <a:t>accounts run by personal and tweets about none-personal </a:t>
-            </a:r>
-            <a:r>
-              <a:rPr lang="en-US" altLang="zh-CN" dirty="0" smtClean="0"/>
-              <a:t>life </a:t>
+              <a:t>accounts run by personal and tweets about none-personal life </a:t>
             </a:r>
             <a:r>
               <a:rPr lang="en-US" altLang="zh-CN" dirty="0"/>
@@ -8590,21 +8595,13 @@
             </a:r>
             <a:r>
               <a:rPr lang="en-US" altLang="zh-CN" dirty="0" smtClean="0"/>
-              <a:t>accounts run by one person and tweets about his personal </a:t>
-            </a:r>
-            <a:r>
-              <a:rPr lang="en-US" altLang="zh-CN" dirty="0" smtClean="0"/>
-              <a:t>life.</a:t>
+              <a:t>accounts run by one person and tweets about his personal life.</a:t>
             </a:r>
           </a:p>
           <a:p>
             <a:r>
               <a:rPr lang="en-US" dirty="0" smtClean="0"/>
-              <a:t>Unknown</a:t>
-            </a:r>
-            <a:r>
-              <a:rPr lang="en-US" dirty="0" smtClean="0"/>
-              <a:t>: uncertain to tell even by human beings</a:t>
+              <a:t>Unknown: uncertain to tell even by human beings</a:t>
             </a:r>
             <a:endParaRPr lang="en-US" dirty="0"/>
           </a:p>
